--- a/Projet sur mandat - Analyase des besoins.pptx
+++ b/Projet sur mandat - Analyase des besoins.pptx
@@ -113,6 +113,11 @@
       </a:defRPr>
     </a:lvl9pPr>
   </p:defaultTextStyle>
+  <p:extLst>
+    <p:ext uri="{EFAFB233-063F-42B5-8137-9DF3F51BA10A}">
+      <p15:sldGuideLst xmlns:p15="http://schemas.microsoft.com/office/powerpoint/2012/main"/>
+    </p:ext>
+  </p:extLst>
 </p:presentation>
 </file>
 
@@ -316,7 +321,7 @@
           <a:p>
             <a:fld id="{48A87A34-81AB-432B-8DAE-1953F412C126}" type="datetimeFigureOut">
               <a:rPr lang="en-US" smtClean="0"/>
-              <a:t>8/25/2022</a:t>
+              <a:t>8/26/2022</a:t>
             </a:fld>
             <a:endParaRPr lang="en-US" dirty="0"/>
           </a:p>
@@ -506,7 +511,7 @@
           <a:p>
             <a:fld id="{48A87A34-81AB-432B-8DAE-1953F412C126}" type="datetimeFigureOut">
               <a:rPr lang="en-US" smtClean="0"/>
-              <a:t>8/25/2022</a:t>
+              <a:t>8/26/2022</a:t>
             </a:fld>
             <a:endParaRPr lang="en-US" dirty="0"/>
           </a:p>
@@ -686,7 +691,7 @@
           <a:p>
             <a:fld id="{48A87A34-81AB-432B-8DAE-1953F412C126}" type="datetimeFigureOut">
               <a:rPr lang="en-US" smtClean="0"/>
-              <a:t>8/25/2022</a:t>
+              <a:t>8/26/2022</a:t>
             </a:fld>
             <a:endParaRPr lang="en-US" dirty="0"/>
           </a:p>
@@ -856,7 +861,7 @@
           <a:p>
             <a:fld id="{48A87A34-81AB-432B-8DAE-1953F412C126}" type="datetimeFigureOut">
               <a:rPr lang="en-US" smtClean="0"/>
-              <a:t>8/25/2022</a:t>
+              <a:t>8/26/2022</a:t>
             </a:fld>
             <a:endParaRPr lang="en-US" dirty="0"/>
           </a:p>
@@ -1112,7 +1117,7 @@
           <a:p>
             <a:fld id="{48A87A34-81AB-432B-8DAE-1953F412C126}" type="datetimeFigureOut">
               <a:rPr lang="en-US" smtClean="0"/>
-              <a:t>8/25/2022</a:t>
+              <a:t>8/26/2022</a:t>
             </a:fld>
             <a:endParaRPr lang="en-US" dirty="0"/>
           </a:p>
@@ -1400,7 +1405,7 @@
           <a:p>
             <a:fld id="{48A87A34-81AB-432B-8DAE-1953F412C126}" type="datetimeFigureOut">
               <a:rPr lang="en-US" smtClean="0"/>
-              <a:t>8/25/2022</a:t>
+              <a:t>8/26/2022</a:t>
             </a:fld>
             <a:endParaRPr lang="en-US" dirty="0"/>
           </a:p>
@@ -1843,7 +1848,7 @@
           <a:p>
             <a:fld id="{48A87A34-81AB-432B-8DAE-1953F412C126}" type="datetimeFigureOut">
               <a:rPr lang="en-US" smtClean="0"/>
-              <a:t>8/25/2022</a:t>
+              <a:t>8/26/2022</a:t>
             </a:fld>
             <a:endParaRPr lang="en-US" dirty="0"/>
           </a:p>
@@ -1966,7 +1971,7 @@
           <a:p>
             <a:fld id="{48A87A34-81AB-432B-8DAE-1953F412C126}" type="datetimeFigureOut">
               <a:rPr lang="en-US" smtClean="0"/>
-              <a:t>8/25/2022</a:t>
+              <a:t>8/26/2022</a:t>
             </a:fld>
             <a:endParaRPr lang="en-US" dirty="0"/>
           </a:p>
@@ -2061,7 +2066,7 @@
           <a:p>
             <a:fld id="{48A87A34-81AB-432B-8DAE-1953F412C126}" type="datetimeFigureOut">
               <a:rPr lang="en-US" smtClean="0"/>
-              <a:t>8/25/2022</a:t>
+              <a:t>8/26/2022</a:t>
             </a:fld>
             <a:endParaRPr lang="en-US" dirty="0"/>
           </a:p>
@@ -2417,7 +2422,7 @@
           <a:p>
             <a:fld id="{48A87A34-81AB-432B-8DAE-1953F412C126}" type="datetimeFigureOut">
               <a:rPr lang="en-US" smtClean="0"/>
-              <a:t>8/25/2022</a:t>
+              <a:t>8/26/2022</a:t>
             </a:fld>
             <a:endParaRPr lang="en-US" dirty="0"/>
           </a:p>
@@ -2739,7 +2744,7 @@
             <a:fld id="{48A87A34-81AB-432B-8DAE-1953F412C126}" type="datetimeFigureOut">
               <a:rPr lang="en-US" smtClean="0"/>
               <a:pPr/>
-              <a:t>8/25/2022</a:t>
+              <a:t>8/26/2022</a:t>
             </a:fld>
             <a:endParaRPr lang="en-US" dirty="0"/>
           </a:p>
@@ -2973,7 +2978,7 @@
             <a:fld id="{48A87A34-81AB-432B-8DAE-1953F412C126}" type="datetimeFigureOut">
               <a:rPr lang="en-US" smtClean="0"/>
               <a:pPr/>
-              <a:t>8/25/2022</a:t>
+              <a:t>8/26/2022</a:t>
             </a:fld>
             <a:endParaRPr lang="en-US" dirty="0"/>
           </a:p>
@@ -3435,7 +3440,7 @@
         </p:nvSpPr>
         <p:spPr>
           <a:xfrm>
-            <a:off x="1497837" y="423661"/>
+            <a:off x="1497837" y="512352"/>
             <a:ext cx="8637073" cy="1142880"/>
           </a:xfrm>
         </p:spPr>
@@ -3537,7 +3542,7 @@
         </p:nvSpPr>
         <p:spPr>
           <a:xfrm>
-            <a:off x="1497837" y="1655232"/>
+            <a:off x="1497838" y="1838487"/>
             <a:ext cx="8637072" cy="977621"/>
           </a:xfrm>
           <a:prstGeom prst="rect">
@@ -3820,6 +3825,13 @@
   <p:clrMapOvr>
     <a:masterClrMapping/>
   </p:clrMapOvr>
+  <p:timing>
+    <p:tnLst>
+      <p:par>
+        <p:cTn id="1" dur="indefinite" restart="never" nodeType="tmRoot"/>
+      </p:par>
+    </p:tnLst>
+  </p:timing>
 </p:sld>
 </file>
 
@@ -4015,8 +4027,8 @@
         </p:blipFill>
         <p:spPr>
           <a:xfrm>
-            <a:off x="2226073" y="1105594"/>
-            <a:ext cx="7635840" cy="5041808"/>
+            <a:off x="1906032" y="992389"/>
+            <a:ext cx="8792447" cy="5805495"/>
           </a:xfrm>
           <a:prstGeom prst="rect">
             <a:avLst/>
@@ -4033,6 +4045,13 @@
   <p:clrMapOvr>
     <a:masterClrMapping/>
   </p:clrMapOvr>
+  <p:timing>
+    <p:tnLst>
+      <p:par>
+        <p:cTn id="1" dur="indefinite" restart="never" nodeType="tmRoot"/>
+      </p:par>
+    </p:tnLst>
+  </p:timing>
 </p:sld>
 </file>
 
@@ -4106,8 +4125,8 @@
         </p:nvSpPr>
         <p:spPr>
           <a:xfrm>
-            <a:off x="166255" y="1795549"/>
-            <a:ext cx="11853949" cy="4871258"/>
+            <a:off x="536028" y="2081047"/>
+            <a:ext cx="10893971" cy="4585759"/>
           </a:xfrm>
         </p:spPr>
         <p:txBody>
@@ -4126,25 +4145,28 @@
                 <a:latin typeface="Bahnschrift SemiLight SemiConde" panose="020B0502040204020203" pitchFamily="34" charset="0"/>
                 <a:cs typeface="Arial" panose="020B0604020202020204" pitchFamily="34" charset="0"/>
               </a:rPr>
-              <a:t> Sergio </a:t>
+              <a:t> </a:t>
+            </a:r>
+            <a:r>
+              <a:rPr lang="fr-CH" dirty="0">
+                <a:cs typeface="Arial" panose="020B0604020202020204" pitchFamily="34" charset="0"/>
+              </a:rPr>
+              <a:t>Sergio </a:t>
             </a:r>
             <a:r>
               <a:rPr lang="fr-CH" dirty="0" smtClean="0">
-                <a:latin typeface="Bahnschrift SemiLight SemiConde" panose="020B0502040204020203" pitchFamily="34" charset="0"/>
                 <a:cs typeface="Arial" panose="020B0604020202020204" pitchFamily="34" charset="0"/>
               </a:rPr>
               <a:t>Coelho </a:t>
             </a:r>
             <a:r>
               <a:rPr lang="fr-CH" dirty="0">
-                <a:latin typeface="Bahnschrift SemiLight SemiConde" panose="020B0502040204020203" pitchFamily="34" charset="0"/>
                 <a:cs typeface="Arial" panose="020B0604020202020204" pitchFamily="34" charset="0"/>
               </a:rPr>
               <a:t>Leite, président du FC Champel</a:t>
             </a:r>
             <a:r>
               <a:rPr lang="fr-CH" dirty="0" smtClean="0">
-                <a:latin typeface="Bahnschrift SemiLight SemiConde" panose="020B0502040204020203" pitchFamily="34" charset="0"/>
                 <a:cs typeface="Arial" panose="020B0604020202020204" pitchFamily="34" charset="0"/>
               </a:rPr>
               <a:t>.</a:t>
@@ -4160,7 +4182,6 @@
             </a:r>
             <a:r>
               <a:rPr lang="fr-CH" dirty="0" smtClean="0">
-                <a:latin typeface="Bahnschrift SemiLight SemiConde" panose="020B0502040204020203" pitchFamily="34" charset="0"/>
                 <a:cs typeface="Arial" panose="020B0604020202020204" pitchFamily="34" charset="0"/>
               </a:rPr>
               <a:t>Football</a:t>
@@ -4190,14 +4211,12 @@
             </a:r>
             <a:r>
               <a:rPr lang="fr-CH" dirty="0">
-                <a:latin typeface="Bahnschrift SemiLight SemiConde" panose="020B0502040204020203" pitchFamily="34" charset="0"/>
                 <a:cs typeface="Arial" panose="020B0604020202020204" pitchFamily="34" charset="0"/>
               </a:rPr>
               <a:t>FC </a:t>
             </a:r>
             <a:r>
               <a:rPr lang="fr-CH" dirty="0" smtClean="0">
-                <a:latin typeface="Bahnschrift SemiLight SemiConde" panose="020B0502040204020203" pitchFamily="34" charset="0"/>
                 <a:cs typeface="Arial" panose="020B0604020202020204" pitchFamily="34" charset="0"/>
               </a:rPr>
               <a:t>Champel</a:t>
@@ -4234,27 +4253,23 @@
             </a:r>
             <a:r>
               <a:rPr lang="fr-CH" dirty="0">
-                <a:latin typeface="Bahnschrift SemiLight SemiConde" panose="020B0502040204020203" pitchFamily="34" charset="0"/>
                 <a:cs typeface="Arial" panose="020B0604020202020204" pitchFamily="34" charset="0"/>
               </a:rPr>
               <a:t>Sergio </a:t>
             </a:r>
             <a:r>
               <a:rPr lang="fr-CH" dirty="0" smtClean="0">
-                <a:latin typeface="Bahnschrift SemiLight SemiConde" panose="020B0502040204020203" pitchFamily="34" charset="0"/>
                 <a:cs typeface="Arial" panose="020B0604020202020204" pitchFamily="34" charset="0"/>
               </a:rPr>
               <a:t>Coelho et Stéphane </a:t>
             </a:r>
             <a:r>
               <a:rPr lang="fr-CH" dirty="0" err="1" smtClean="0">
-                <a:latin typeface="Bahnschrift SemiLight SemiConde" panose="020B0502040204020203" pitchFamily="34" charset="0"/>
                 <a:cs typeface="Arial" panose="020B0604020202020204" pitchFamily="34" charset="0"/>
               </a:rPr>
               <a:t>Musy</a:t>
             </a:r>
             <a:endParaRPr lang="fr-CH" dirty="0">
-              <a:latin typeface="Bahnschrift SemiLight SemiConde" panose="020B0502040204020203" pitchFamily="34" charset="0"/>
               <a:cs typeface="Arial" panose="020B0604020202020204" pitchFamily="34" charset="0"/>
             </a:endParaRPr>
           </a:p>
@@ -4270,6 +4285,13 @@
   <p:clrMapOvr>
     <a:masterClrMapping/>
   </p:clrMapOvr>
+  <p:timing>
+    <p:tnLst>
+      <p:par>
+        <p:cTn id="1" dur="indefinite" restart="never" nodeType="tmRoot"/>
+      </p:par>
+    </p:tnLst>
+  </p:timing>
 </p:sld>
 </file>
 
@@ -4381,13 +4403,13 @@
         </p:nvSpPr>
         <p:spPr>
           <a:xfrm>
-            <a:off x="490044" y="1321724"/>
-            <a:ext cx="10753725" cy="5278581"/>
+            <a:off x="490044" y="1143000"/>
+            <a:ext cx="11564796" cy="5547360"/>
           </a:xfrm>
         </p:spPr>
         <p:txBody>
           <a:bodyPr>
-            <a:normAutofit/>
+            <a:normAutofit lnSpcReduction="10000"/>
           </a:bodyPr>
           <a:lstStyle/>
           <a:p>
@@ -4399,15 +4421,38 @@
             </a:r>
             <a:r>
               <a:rPr lang="fr-CH" dirty="0"/>
-              <a:t>Fichier excel pour gérer les résultats du tournoi</a:t>
+              <a:t>Fichier </a:t>
+            </a:r>
+            <a:r>
+              <a:rPr lang="fr-CH" sz="2200" dirty="0"/>
+              <a:t>Excel</a:t>
             </a:r>
             <a:r>
               <a:rPr lang="fr-CH" dirty="0" smtClean="0"/>
-              <a:t>.</a:t>
-            </a:r>
-            <a:endParaRPr lang="fr-CH" b="1" dirty="0" smtClean="0">
-              <a:latin typeface="Bahnschrift SemiLight SemiConde" panose="020B0502040204020203" pitchFamily="34" charset="0"/>
-            </a:endParaRPr>
+              <a:t> </a:t>
+            </a:r>
+          </a:p>
+          <a:p>
+            <a:r>
+              <a:rPr lang="fr-CH" b="1" dirty="0" smtClean="0">
+                <a:latin typeface="Bahnschrift SemiLight SemiConde" panose="020B0502040204020203" pitchFamily="34" charset="0"/>
+              </a:rPr>
+              <a:t>Limites </a:t>
+            </a:r>
+            <a:r>
+              <a:rPr lang="fr-CH" b="1" dirty="0" smtClean="0">
+                <a:latin typeface="Bahnschrift SemiLight SemiConde" panose="020B0502040204020203" pitchFamily="34" charset="0"/>
+              </a:rPr>
+              <a:t>:  </a:t>
+            </a:r>
+            <a:r>
+              <a:rPr lang="fr-CH" sz="2200" dirty="0"/>
+              <a:t>Aucune</a:t>
+            </a:r>
+            <a:r>
+              <a:rPr lang="fr-CH" dirty="0" smtClean="0"/>
+              <a:t> possibilité d’avoir accès aux données sans le fichier Excel</a:t>
+            </a:r>
           </a:p>
           <a:p>
             <a:pPr>
@@ -4419,11 +4464,11 @@
               <a:rPr lang="fr-CH" b="1" dirty="0" smtClean="0">
                 <a:latin typeface="Bahnschrift SemiLight SemiConde" panose="020B0502040204020203" pitchFamily="34" charset="0"/>
               </a:rPr>
-              <a:t>Limites :  </a:t>
-            </a:r>
-            <a:r>
-              <a:rPr lang="fr-CH" dirty="0"/>
-              <a:t>Impossible de visualiser les info du tournoi sans le fichier excel</a:t>
+              <a:t>Aspects positifs :  </a:t>
+            </a:r>
+            <a:r>
+              <a:rPr lang="fr-CH" sz="2200" dirty="0"/>
+              <a:t>Flexibilité</a:t>
             </a:r>
           </a:p>
           <a:p>
@@ -4433,46 +4478,95 @@
               </a:lnSpc>
             </a:pPr>
             <a:r>
-              <a:rPr lang="fr-CH" b="1" dirty="0" smtClean="0">
-                <a:latin typeface="Bahnschrift SemiLight SemiConde" panose="020B0502040204020203" pitchFamily="34" charset="0"/>
-              </a:rPr>
-              <a:t>Aspects positifs, négatifs :  </a:t>
-            </a:r>
-            <a:r>
-              <a:rPr lang="fr-CH" dirty="0" smtClean="0">
-                <a:latin typeface="Bahnschrift SemiLight SemiConde" panose="020B0502040204020203" pitchFamily="34" charset="0"/>
-              </a:rPr>
-              <a:t>Positifs</a:t>
-            </a:r>
-            <a:r>
-              <a:rPr lang="fr-CH" b="1" dirty="0" smtClean="0">
-                <a:latin typeface="Bahnschrift SemiLight SemiConde" panose="020B0502040204020203" pitchFamily="34" charset="0"/>
-              </a:rPr>
-              <a:t> : </a:t>
+              <a:rPr lang="fr-CH" sz="2600" b="1" dirty="0" smtClean="0">
+                <a:latin typeface="Bahnschrift Light SemiCondensed" panose="020B0502040204020203" pitchFamily="34" charset="0"/>
+              </a:rPr>
+              <a:t>Aspects </a:t>
+            </a:r>
+            <a:r>
+              <a:rPr lang="fr-CH" sz="2600" b="1" dirty="0">
+                <a:latin typeface="Bahnschrift Light SemiCondensed" panose="020B0502040204020203" pitchFamily="34" charset="0"/>
+              </a:rPr>
+              <a:t>n</a:t>
+            </a:r>
+            <a:r>
+              <a:rPr lang="fr-CH" sz="2600" b="1" dirty="0" smtClean="0">
+                <a:latin typeface="Bahnschrift Light SemiCondensed" panose="020B0502040204020203" pitchFamily="34" charset="0"/>
+              </a:rPr>
+              <a:t>égatifs </a:t>
+            </a:r>
+            <a:r>
+              <a:rPr lang="fr-CH" sz="2600" b="1" dirty="0" smtClean="0">
+                <a:latin typeface="Bahnschrift Light SemiCondensed" panose="020B0502040204020203" pitchFamily="34" charset="0"/>
+              </a:rPr>
+              <a:t>: </a:t>
+            </a:r>
+            <a:r>
+              <a:rPr lang="fr-CH" b="1" dirty="0" smtClean="0"/>
+              <a:t>- </a:t>
             </a:r>
             <a:r>
               <a:rPr lang="fr-CH" dirty="0" smtClean="0"/>
-              <a:t>Flexibilité. Négatifs : </a:t>
+              <a:t>t</a:t>
+            </a:r>
+            <a:r>
+              <a:rPr lang="fr-CH" dirty="0" smtClean="0"/>
+              <a:t>ime </a:t>
+            </a:r>
+            <a:r>
+              <a:rPr lang="fr-CH" sz="2200" dirty="0" err="1"/>
+              <a:t>consuming</a:t>
+            </a:r>
+            <a:endParaRPr lang="fr-CH" sz="2200" dirty="0"/>
+          </a:p>
+          <a:p>
+            <a:pPr>
+              <a:lnSpc>
+                <a:spcPct val="150000"/>
+              </a:lnSpc>
+              <a:spcBef>
+                <a:spcPts val="0"/>
+              </a:spcBef>
+            </a:pPr>
+            <a:r>
+              <a:rPr lang="fr-CH" dirty="0" smtClean="0"/>
+              <a:t>                                  - </a:t>
+            </a:r>
+            <a:r>
+              <a:rPr lang="fr-CH" sz="2200" dirty="0"/>
+              <a:t>nombres</a:t>
+            </a:r>
+            <a:r>
+              <a:rPr lang="fr-CH" dirty="0" smtClean="0"/>
+              <a:t> </a:t>
             </a:r>
             <a:r>
               <a:rPr lang="fr-CH" dirty="0"/>
-              <a:t>Time </a:t>
-            </a:r>
-            <a:r>
-              <a:rPr lang="fr-CH" dirty="0" err="1"/>
-              <a:t>consuming</a:t>
-            </a:r>
+              <a:t>importants </a:t>
+            </a:r>
+            <a:r>
+              <a:rPr lang="fr-CH" dirty="0" smtClean="0"/>
+              <a:t>d’erreurs</a:t>
+            </a:r>
+          </a:p>
+          <a:p>
+            <a:pPr>
+              <a:lnSpc>
+                <a:spcPct val="110000"/>
+              </a:lnSpc>
+            </a:pPr>
             <a:r>
               <a:rPr lang="fr-CH" dirty="0"/>
-              <a:t>, Nombres importants d’erreurs, Dépendant d’une </a:t>
+              <a:t> </a:t>
             </a:r>
             <a:r>
               <a:rPr lang="fr-CH" dirty="0" smtClean="0"/>
-              <a:t>personne</a:t>
-            </a:r>
-            <a:endParaRPr lang="fr-CH" b="1" dirty="0" smtClean="0">
-              <a:latin typeface="Bahnschrift SemiLight SemiConde" panose="020B0502040204020203" pitchFamily="34" charset="0"/>
-            </a:endParaRPr>
+              <a:t>                                  - dépendance </a:t>
+            </a:r>
+            <a:r>
+              <a:rPr lang="fr-CH" sz="2200" dirty="0"/>
+              <a:t>humaine</a:t>
+            </a:r>
           </a:p>
           <a:p>
             <a:pPr>
@@ -4487,12 +4581,19 @@
               <a:t>Liens avec le futur système : </a:t>
             </a:r>
             <a:r>
+              <a:rPr lang="fr-CH" b="1" dirty="0" smtClean="0">
+                <a:latin typeface="Bahnschrift SemiLight SemiConde" panose="020B0502040204020203" pitchFamily="34" charset="0"/>
+              </a:rPr>
+              <a:t> </a:t>
+            </a:r>
+            <a:r>
               <a:rPr lang="fr-CH" dirty="0"/>
-              <a:t>Aucun</a:t>
-            </a:r>
-            <a:endParaRPr lang="fr-CH" b="1" dirty="0" smtClean="0">
-              <a:latin typeface="Bahnschrift SemiLight SemiConde" panose="020B0502040204020203" pitchFamily="34" charset="0"/>
-            </a:endParaRPr>
+              <a:t>a</a:t>
+            </a:r>
+            <a:r>
+              <a:rPr lang="fr-CH" dirty="0"/>
+              <a:t>ucun</a:t>
+            </a:r>
           </a:p>
           <a:p>
             <a:pPr>
@@ -4508,15 +4609,16 @@
             </a:r>
             <a:r>
               <a:rPr lang="fr-CH" dirty="0"/>
-              <a:t>Le concept</a:t>
+              <a:t>l</a:t>
             </a:r>
             <a:r>
               <a:rPr lang="fr-CH" dirty="0" smtClean="0"/>
-              <a:t>.</a:t>
-            </a:r>
-            <a:endParaRPr lang="fr-CH" b="1" dirty="0" smtClean="0">
-              <a:latin typeface="Bahnschrift SemiLight SemiConde" panose="020B0502040204020203" pitchFamily="34" charset="0"/>
-            </a:endParaRPr>
+              <a:t>e </a:t>
+            </a:r>
+            <a:r>
+              <a:rPr lang="fr-CH" sz="2200" dirty="0"/>
+              <a:t>concept</a:t>
+            </a:r>
           </a:p>
           <a:p>
             <a:r>
@@ -4526,8 +4628,20 @@
               <a:t>A améliorer : </a:t>
             </a:r>
             <a:r>
+              <a:rPr lang="fr-CH" sz="2200" dirty="0"/>
+              <a:t>p</a:t>
+            </a:r>
+            <a:r>
+              <a:rPr lang="fr-CH" sz="2200" dirty="0"/>
+              <a:t>lanification</a:t>
+            </a:r>
+            <a:r>
+              <a:rPr lang="fr-CH" dirty="0" smtClean="0"/>
+              <a:t> </a:t>
+            </a:r>
+            <a:r>
               <a:rPr lang="fr-CH" dirty="0"/>
-              <a:t>Planification matchs </a:t>
+              <a:t>matchs </a:t>
             </a:r>
           </a:p>
           <a:p>
@@ -4538,10 +4652,9 @@
               <a:t>A supprimer : </a:t>
             </a:r>
             <a:r>
-              <a:rPr lang="fr-CH" dirty="0"/>
+              <a:rPr lang="fr-CH" sz="2200" dirty="0"/>
               <a:t>interventions manuelles</a:t>
             </a:r>
-            <a:endParaRPr lang="fr-CH" dirty="0"/>
           </a:p>
         </p:txBody>
       </p:sp>
@@ -4555,6 +4668,13 @@
   <p:clrMapOvr>
     <a:masterClrMapping/>
   </p:clrMapOvr>
+  <p:timing>
+    <p:tnLst>
+      <p:par>
+        <p:cTn id="1" dur="indefinite" restart="never" nodeType="tmRoot"/>
+      </p:par>
+    </p:tnLst>
+  </p:timing>
 </p:sld>
 </file>
 
@@ -4681,6 +4801,11 @@
           <a:bodyPr/>
           <a:lstStyle/>
           <a:p>
+            <a:pPr>
+              <a:lnSpc>
+                <a:spcPct val="100000"/>
+              </a:lnSpc>
+            </a:pPr>
             <a:r>
               <a:rPr lang="fr-CH" b="1" dirty="0">
                 <a:latin typeface="Bahnschrift SemiLight SemiConde" panose="020B0502040204020203" pitchFamily="34" charset="0"/>
@@ -4712,80 +4837,98 @@
               <a:t> </a:t>
             </a:r>
             <a:r>
-              <a:rPr lang="fr-CH" dirty="0" smtClean="0">
-                <a:latin typeface="Bahnschrift SemiLight SemiConde" panose="020B0502040204020203" pitchFamily="34" charset="0"/>
-              </a:rPr>
+              <a:rPr lang="fr-CH" sz="2200" dirty="0" smtClean="0"/>
               <a:t>Réaliser </a:t>
             </a:r>
             <a:r>
-              <a:rPr lang="fr-CH" dirty="0">
-                <a:latin typeface="Bahnschrift SemiLight SemiConde" panose="020B0502040204020203" pitchFamily="34" charset="0"/>
-              </a:rPr>
-              <a:t>un site internet pour un tournoi de football en salle organisé par le FC </a:t>
-            </a:r>
-            <a:r>
-              <a:rPr lang="fr-CH" dirty="0" smtClean="0">
-                <a:latin typeface="Bahnschrift SemiLight SemiConde" panose="020B0502040204020203" pitchFamily="34" charset="0"/>
-              </a:rPr>
+              <a:rPr lang="fr-CH" sz="2200" dirty="0"/>
+              <a:t>un site internet pour un tournoi de </a:t>
+            </a:r>
+            <a:r>
+              <a:rPr lang="fr-CH" sz="2200" dirty="0" smtClean="0"/>
+              <a:t>        					      football </a:t>
+            </a:r>
+            <a:r>
+              <a:rPr lang="fr-CH" sz="2200" dirty="0"/>
+              <a:t>en salle organisé par le FC </a:t>
+            </a:r>
+            <a:r>
+              <a:rPr lang="fr-CH" sz="2200" dirty="0" smtClean="0"/>
               <a:t>Champel</a:t>
             </a:r>
           </a:p>
           <a:p>
+            <a:endParaRPr lang="fr-CH" b="1" dirty="0" smtClean="0">
+              <a:latin typeface="Bahnschrift SemiBold SemiConden" panose="020B0502040204020203" pitchFamily="34" charset="0"/>
+            </a:endParaRPr>
+          </a:p>
+          <a:p>
             <a:r>
               <a:rPr lang="fr-CH" b="1" dirty="0" smtClean="0">
-                <a:latin typeface="Bahnschrift SemiLight SemiConde" panose="020B0502040204020203" pitchFamily="34" charset="0"/>
-              </a:rPr>
-              <a:t>Utilisé par : </a:t>
-            </a:r>
-          </a:p>
-          <a:p>
+                <a:latin typeface="Bahnschrift SemiBold SemiConden" panose="020B0502040204020203" pitchFamily="34" charset="0"/>
+              </a:rPr>
+              <a:t>Utilisé </a:t>
+            </a:r>
             <a:r>
               <a:rPr lang="fr-CH" b="1" dirty="0" smtClean="0">
-                <a:latin typeface="Bahnschrift SemiLight SemiConde" panose="020B0502040204020203" pitchFamily="34" charset="0"/>
-              </a:rPr>
+                <a:latin typeface="Bahnschrift SemiBold SemiConden" panose="020B0502040204020203" pitchFamily="34" charset="0"/>
+              </a:rPr>
+              <a:t>par : </a:t>
+            </a:r>
+            <a:r>
+              <a:rPr lang="fr-CH" sz="2200" b="1" dirty="0" smtClean="0"/>
               <a:t>- </a:t>
             </a:r>
             <a:r>
-              <a:rPr lang="fr-CH" dirty="0" smtClean="0">
-                <a:latin typeface="Bahnschrift SemiLight SemiConde" panose="020B0502040204020203" pitchFamily="34" charset="0"/>
-              </a:rPr>
-              <a:t>administrateurs</a:t>
-            </a:r>
-          </a:p>
-          <a:p>
-            <a:r>
-              <a:rPr lang="fr-CH" dirty="0" smtClean="0">
-                <a:latin typeface="Bahnschrift SemiLight SemiConde" panose="020B0502040204020203" pitchFamily="34" charset="0"/>
-              </a:rPr>
-              <a:t>- responsables</a:t>
-            </a:r>
-          </a:p>
-          <a:p>
-            <a:r>
-              <a:rPr lang="fr-CH" dirty="0" smtClean="0">
-                <a:latin typeface="Bahnschrift SemiLight SemiConde" panose="020B0502040204020203" pitchFamily="34" charset="0"/>
-              </a:rPr>
-              <a:t>- staff</a:t>
-            </a:r>
-          </a:p>
-          <a:p>
-            <a:r>
-              <a:rPr lang="fr-CH" dirty="0" smtClean="0">
-                <a:latin typeface="Bahnschrift SemiLight SemiConde" panose="020B0502040204020203" pitchFamily="34" charset="0"/>
-              </a:rPr>
-              <a:t>- clubs</a:t>
-            </a:r>
-          </a:p>
-          <a:p>
-            <a:r>
-              <a:rPr lang="fr-CH" dirty="0" smtClean="0">
-                <a:latin typeface="Bahnschrift SemiLight SemiConde" panose="020B0502040204020203" pitchFamily="34" charset="0"/>
-              </a:rPr>
-              <a:t>- proche des membres des clubs</a:t>
-            </a:r>
-            <a:endParaRPr lang="fr-CH" b="1" dirty="0">
-              <a:latin typeface="Bahnschrift SemiLight SemiConde" panose="020B0502040204020203" pitchFamily="34" charset="0"/>
-            </a:endParaRPr>
+              <a:rPr lang="fr-CH" sz="2200" dirty="0" smtClean="0"/>
+              <a:t>administrateurs	</a:t>
+            </a:r>
+            <a:endParaRPr lang="fr-CH" sz="2200" dirty="0" smtClean="0"/>
+          </a:p>
+          <a:p>
+            <a:r>
+              <a:rPr lang="fr-CH" sz="2200" dirty="0" smtClean="0"/>
+              <a:t>                       - </a:t>
+            </a:r>
+            <a:r>
+              <a:rPr lang="fr-CH" sz="2200" dirty="0" smtClean="0"/>
+              <a:t>responsables</a:t>
+            </a:r>
+          </a:p>
+          <a:p>
+            <a:r>
+              <a:rPr lang="fr-CH" sz="2200" dirty="0" smtClean="0"/>
+              <a:t>                       - </a:t>
+            </a:r>
+            <a:r>
+              <a:rPr lang="fr-CH" sz="2200" dirty="0" smtClean="0"/>
+              <a:t>staff</a:t>
+            </a:r>
+          </a:p>
+          <a:p>
+            <a:r>
+              <a:rPr lang="fr-CH" sz="2200" dirty="0" smtClean="0"/>
+              <a:t>                       - </a:t>
+            </a:r>
+            <a:r>
+              <a:rPr lang="fr-CH" sz="2200" dirty="0" smtClean="0"/>
+              <a:t>clubs</a:t>
+            </a:r>
+          </a:p>
+          <a:p>
+            <a:r>
+              <a:rPr lang="fr-CH" sz="2200" dirty="0" smtClean="0"/>
+              <a:t>                       - proches </a:t>
+            </a:r>
+            <a:r>
+              <a:rPr lang="fr-CH" sz="2200" dirty="0" smtClean="0"/>
+              <a:t>des </a:t>
+            </a:r>
+            <a:r>
+              <a:rPr lang="fr-CH" sz="2200" dirty="0" smtClean="0"/>
+              <a:t>membres</a:t>
+            </a:r>
+            <a:endParaRPr lang="fr-CH" sz="2200" b="1" dirty="0"/>
           </a:p>
         </p:txBody>
       </p:sp>
@@ -4799,6 +4942,13 @@
   <p:clrMapOvr>
     <a:masterClrMapping/>
   </p:clrMapOvr>
+  <p:timing>
+    <p:tnLst>
+      <p:par>
+        <p:cTn id="1" dur="indefinite" restart="never" nodeType="tmRoot"/>
+      </p:par>
+    </p:tnLst>
+  </p:timing>
 </p:sld>
 </file>
 
@@ -4917,8 +5067,8 @@
         </p:nvSpPr>
         <p:spPr>
           <a:xfrm>
-            <a:off x="182880" y="1043842"/>
-            <a:ext cx="11804073" cy="5589714"/>
+            <a:off x="182880" y="944880"/>
+            <a:ext cx="11804073" cy="5913120"/>
           </a:xfrm>
         </p:spPr>
         <p:txBody>
@@ -4940,10 +5090,16 @@
               <a:t>Que doit faire le système ? </a:t>
             </a:r>
             <a:r>
-              <a:rPr lang="fr-CH" dirty="0" smtClean="0">
-                <a:latin typeface="Bahnschrift SemiLight SemiConde" panose="020B0502040204020203" pitchFamily="34" charset="0"/>
-              </a:rPr>
-              <a:t>Gestion d’informations d’un tournoi de football en salle. </a:t>
+              <a:rPr lang="fr-CH" sz="2200" dirty="0"/>
+              <a:t>g</a:t>
+            </a:r>
+            <a:r>
+              <a:rPr lang="fr-CH" sz="2200" dirty="0" smtClean="0"/>
+              <a:t>estion </a:t>
+            </a:r>
+            <a:r>
+              <a:rPr lang="fr-CH" sz="2200" dirty="0" smtClean="0"/>
+              <a:t>d’informations d’un tournoi de football en salle. </a:t>
             </a:r>
           </a:p>
           <a:p>
@@ -4959,14 +5115,26 @@
               <a:t>Ordre? </a:t>
             </a:r>
             <a:r>
-              <a:rPr lang="fr-CH" dirty="0" smtClean="0">
-                <a:latin typeface="Bahnschrift SemiLight SemiConde" panose="020B0502040204020203" pitchFamily="34" charset="0"/>
-              </a:rPr>
-              <a:t>Ordre défini en fonction des priorités</a:t>
-            </a:r>
-            <a:endParaRPr lang="fr-CH" b="1" dirty="0" smtClean="0">
-              <a:latin typeface="Bahnschrift SemiLight SemiConde" panose="020B0502040204020203" pitchFamily="34" charset="0"/>
-            </a:endParaRPr>
+              <a:rPr lang="fr-CH" sz="2200" dirty="0"/>
+              <a:t>o</a:t>
+            </a:r>
+            <a:r>
+              <a:rPr lang="fr-CH" sz="2200" dirty="0" smtClean="0"/>
+              <a:t>rdre </a:t>
+            </a:r>
+            <a:r>
+              <a:rPr lang="fr-CH" sz="2200" dirty="0" smtClean="0"/>
+              <a:t>défini en fonction </a:t>
+            </a:r>
+            <a:r>
+              <a:rPr lang="fr-CH" sz="2200" dirty="0" smtClean="0"/>
+              <a:t>des niveaux des </a:t>
+            </a:r>
+            <a:r>
+              <a:rPr lang="fr-CH" sz="2200" dirty="0" smtClean="0"/>
+              <a:t>priorités</a:t>
+            </a:r>
+            <a:endParaRPr lang="fr-CH" sz="2200" b="1" dirty="0" smtClean="0"/>
           </a:p>
           <a:p>
             <a:pPr>
@@ -4981,70 +5149,8 @@
               <a:t>Besoins métier : </a:t>
             </a:r>
             <a:r>
-              <a:rPr lang="fr-CH" dirty="0">
-                <a:latin typeface="Bahnschrift SemiLight SemiConde" panose="020B0502040204020203" pitchFamily="34" charset="0"/>
-              </a:rPr>
-              <a:t>l</a:t>
-            </a:r>
-            <a:r>
-              <a:rPr lang="fr-CH" dirty="0">
-                <a:latin typeface="Bahnschrift SemiLight SemiConde" panose="020B0502040204020203" pitchFamily="34" charset="0"/>
-              </a:rPr>
-              <a:t>ogos club, </a:t>
-            </a:r>
-            <a:r>
-              <a:rPr lang="fr-CH" dirty="0">
-                <a:latin typeface="Bahnschrift SemiLight SemiConde" panose="020B0502040204020203" pitchFamily="34" charset="0"/>
-              </a:rPr>
-              <a:t>t</a:t>
-            </a:r>
-            <a:r>
-              <a:rPr lang="fr-CH" dirty="0">
-                <a:latin typeface="Bahnschrift SemiLight SemiConde" panose="020B0502040204020203" pitchFamily="34" charset="0"/>
-              </a:rPr>
-              <a:t>ournois , gestion </a:t>
-            </a:r>
-            <a:r>
-              <a:rPr lang="fr-CH" dirty="0">
-                <a:latin typeface="Bahnschrift SemiLight SemiConde" panose="020B0502040204020203" pitchFamily="34" charset="0"/>
-              </a:rPr>
-              <a:t>des arbitres </a:t>
-            </a:r>
-            <a:r>
-              <a:rPr lang="fr-CH" dirty="0">
-                <a:latin typeface="Bahnschrift SemiLight SemiConde" panose="020B0502040204020203" pitchFamily="34" charset="0"/>
-              </a:rPr>
-              <a:t>, </a:t>
-            </a:r>
-            <a:r>
-              <a:rPr lang="fr-CH" dirty="0">
-                <a:latin typeface="Bahnschrift SemiLight SemiConde" panose="020B0502040204020203" pitchFamily="34" charset="0"/>
-              </a:rPr>
-              <a:t>g</a:t>
-            </a:r>
-            <a:r>
-              <a:rPr lang="fr-CH" dirty="0">
-                <a:latin typeface="Bahnschrift SemiLight SemiConde" panose="020B0502040204020203" pitchFamily="34" charset="0"/>
-              </a:rPr>
-              <a:t>estion </a:t>
-            </a:r>
-            <a:r>
-              <a:rPr lang="fr-CH" dirty="0">
-                <a:latin typeface="Bahnschrift SemiLight SemiConde" panose="020B0502040204020203" pitchFamily="34" charset="0"/>
-              </a:rPr>
-              <a:t>du </a:t>
-            </a:r>
-            <a:r>
-              <a:rPr lang="fr-CH" dirty="0">
-                <a:latin typeface="Bahnschrift SemiLight SemiConde" panose="020B0502040204020203" pitchFamily="34" charset="0"/>
-              </a:rPr>
-              <a:t>staff, nombre d’équipes, de salles, </a:t>
-            </a:r>
-            <a:r>
-              <a:rPr lang="fr-CH" dirty="0">
-                <a:latin typeface="Bahnschrift SemiLight SemiConde" panose="020B0502040204020203" pitchFamily="34" charset="0"/>
-              </a:rPr>
-              <a:t>de groupes, heure début, durée match, pause midi, algorithme placement match</a:t>
+              <a:rPr lang="fr-CH" sz="2200" dirty="0"/>
+              <a:t>logos club, tournois , gestion des arbitres , gestion du staff, nombre d’équipes, de salles, de groupes, heure début, durée match, pause midi, algorithme placement match</a:t>
             </a:r>
           </a:p>
           <a:p>
@@ -5060,12 +5166,10 @@
               <a:t>Informations conservées/stockées : </a:t>
             </a:r>
             <a:r>
-              <a:rPr lang="fr-CH" dirty="0" smtClean="0"/>
+              <a:rPr lang="fr-CH" sz="2200" dirty="0" smtClean="0"/>
               <a:t>info connexion membres, donnée utilisateurs, info clubs </a:t>
             </a:r>
-            <a:endParaRPr lang="fr-CH" b="1" dirty="0" smtClean="0">
-              <a:latin typeface="Bahnschrift SemiLight SemiConde" panose="020B0502040204020203" pitchFamily="34" charset="0"/>
-            </a:endParaRPr>
+            <a:endParaRPr lang="fr-CH" sz="2200" b="1" dirty="0" smtClean="0"/>
           </a:p>
           <a:p>
             <a:pPr>
@@ -5080,34 +5184,76 @@
               <a:t>Documents produits par le système : </a:t>
             </a:r>
             <a:r>
-              <a:rPr lang="fr-CH" dirty="0" smtClean="0"/>
-              <a:t>Aucun</a:t>
-            </a:r>
-            <a:endParaRPr lang="fr-CH" b="1" dirty="0" smtClean="0">
-              <a:latin typeface="Bahnschrift SemiLight SemiConde" panose="020B0502040204020203" pitchFamily="34" charset="0"/>
-            </a:endParaRPr>
+              <a:rPr lang="fr-CH" sz="2200" dirty="0"/>
+              <a:t>a</a:t>
+            </a:r>
+            <a:r>
+              <a:rPr lang="fr-CH" sz="2200" dirty="0" smtClean="0"/>
+              <a:t>ucun</a:t>
+            </a:r>
+            <a:endParaRPr lang="fr-CH" sz="2200" b="1" dirty="0" smtClean="0"/>
           </a:p>
           <a:p>
             <a:pPr>
               <a:lnSpc>
-                <a:spcPct val="150000"/>
+                <a:spcPct val="100000"/>
               </a:lnSpc>
             </a:pPr>
             <a:r>
               <a:rPr lang="fr-CH" b="1" dirty="0" smtClean="0">
                 <a:latin typeface="Bahnschrift SemiLight SemiConde" panose="020B0502040204020203" pitchFamily="34" charset="0"/>
               </a:rPr>
-              <a:t>Liste des règles de gestion métier:  </a:t>
-            </a:r>
-            <a:r>
-              <a:rPr lang="fr-CH" dirty="0"/>
-              <a:t>Avoir un compte administrateur pour se </a:t>
-            </a:r>
-            <a:r>
-              <a:rPr lang="fr-CH" dirty="0" smtClean="0"/>
-              <a:t>connecter, équipe ne peut pas jouer deux fois de suite</a:t>
-            </a:r>
-            <a:endParaRPr lang="fr-CH" dirty="0"/>
+              <a:t>Liste des règles de gestion </a:t>
+            </a:r>
+            <a:r>
+              <a:rPr lang="fr-CH" b="1" dirty="0" smtClean="0">
+                <a:latin typeface="Bahnschrift SemiLight SemiConde" panose="020B0502040204020203" pitchFamily="34" charset="0"/>
+              </a:rPr>
+              <a:t>métier :   </a:t>
+            </a:r>
+            <a:r>
+              <a:rPr lang="fr-CH" sz="2200" dirty="0" smtClean="0"/>
+              <a:t>a</a:t>
+            </a:r>
+            <a:r>
+              <a:rPr lang="fr-CH" sz="2200" dirty="0" smtClean="0"/>
+              <a:t>voir </a:t>
+            </a:r>
+            <a:r>
+              <a:rPr lang="fr-CH" sz="2200" dirty="0"/>
+              <a:t>un compte </a:t>
+            </a:r>
+            <a:r>
+              <a:rPr lang="fr-CH" sz="2200" dirty="0" smtClean="0"/>
+              <a:t>administrateur,</a:t>
+            </a:r>
+          </a:p>
+          <a:p>
+            <a:pPr>
+              <a:lnSpc>
+                <a:spcPct val="100000"/>
+              </a:lnSpc>
+              <a:spcBef>
+                <a:spcPts val="600"/>
+              </a:spcBef>
+            </a:pPr>
+            <a:r>
+              <a:rPr lang="fr-CH" sz="2200" dirty="0"/>
+              <a:t> </a:t>
+            </a:r>
+            <a:r>
+              <a:rPr lang="fr-CH" sz="2200" dirty="0" smtClean="0"/>
+              <a:t>                                                                    </a:t>
+            </a:r>
+            <a:r>
+              <a:rPr lang="fr-CH" sz="2200" dirty="0" smtClean="0"/>
+              <a:t>équipe </a:t>
+            </a:r>
+            <a:r>
+              <a:rPr lang="fr-CH" sz="2200" dirty="0" smtClean="0"/>
+              <a:t>ne peut pas jouer deux fois de suite</a:t>
+            </a:r>
+            <a:endParaRPr lang="fr-CH" sz="2200" dirty="0"/>
           </a:p>
           <a:p>
             <a:endParaRPr lang="fr-CH" b="1" u="sng" dirty="0" smtClean="0"/>
@@ -5127,6 +5273,13 @@
   <p:clrMapOvr>
     <a:masterClrMapping/>
   </p:clrMapOvr>
+  <p:timing>
+    <p:tnLst>
+      <p:par>
+        <p:cTn id="1" dur="indefinite" restart="never" nodeType="tmRoot"/>
+      </p:par>
+    </p:tnLst>
+  </p:timing>
 </p:sld>
 </file>
 
@@ -5307,12 +5460,10 @@
               <a:t>Liste des fonctionnalités : </a:t>
             </a:r>
             <a:r>
-              <a:rPr lang="fr-CH" dirty="0" smtClean="0"/>
+              <a:rPr lang="fr-CH" sz="2200" dirty="0" smtClean="0"/>
               <a:t>12 fonctionnalités au total</a:t>
             </a:r>
-            <a:endParaRPr lang="fr-CH" b="1" dirty="0" smtClean="0">
-              <a:latin typeface="Bahnschrift SemiLight SemiConde" panose="020B0502040204020203" pitchFamily="34" charset="0"/>
-            </a:endParaRPr>
+            <a:endParaRPr lang="fr-CH" sz="2200" b="1" dirty="0" smtClean="0"/>
           </a:p>
           <a:p>
             <a:pPr>
@@ -5324,13 +5475,15 @@
               <a:rPr lang="fr-CH" b="1" dirty="0" smtClean="0">
                 <a:latin typeface="Bahnschrift SemiLight SemiConde" panose="020B0502040204020203" pitchFamily="34" charset="0"/>
               </a:rPr>
-              <a:t>Traitements:  </a:t>
-            </a:r>
-            <a:r>
-              <a:rPr lang="fr-CH" dirty="0" smtClean="0">
-                <a:latin typeface="Bahnschrift SemiLight SemiConde" panose="020B0502040204020203" pitchFamily="34" charset="0"/>
-              </a:rPr>
-              <a:t>12 traitements au total</a:t>
+              <a:t>Traitements: </a:t>
+            </a:r>
+            <a:r>
+              <a:rPr lang="fr-CH" sz="2200" dirty="0" smtClean="0"/>
+              <a:t>12 </a:t>
+            </a:r>
+            <a:r>
+              <a:rPr lang="fr-CH" sz="2200" dirty="0" smtClean="0"/>
+              <a:t>traitements au total</a:t>
             </a:r>
           </a:p>
           <a:p>
@@ -5346,11 +5499,29 @@
               <a:t>Contraintes:  </a:t>
             </a:r>
             <a:r>
-              <a:rPr lang="fr-CH" dirty="0" smtClean="0">
-                <a:latin typeface="Bahnschrift SemiLight SemiConde" panose="020B0502040204020203" pitchFamily="34" charset="0"/>
-              </a:rPr>
-              <a:t>nombre d’équipe, liste des équipes, arbitres, responsables, nombre de match et dates encore inconnue</a:t>
-            </a:r>
+              <a:rPr lang="fr-CH" sz="2200" dirty="0" smtClean="0"/>
+              <a:t>informations </a:t>
+            </a:r>
+            <a:r>
+              <a:rPr lang="fr-CH" sz="2200" dirty="0" smtClean="0"/>
+              <a:t>du tournoi </a:t>
+            </a:r>
+            <a:r>
+              <a:rPr lang="fr-CH" sz="2200" dirty="0" smtClean="0"/>
+              <a:t>encore inconnues</a:t>
+            </a:r>
+          </a:p>
+          <a:p>
+            <a:pPr>
+              <a:lnSpc>
+                <a:spcPct val="150000"/>
+              </a:lnSpc>
+            </a:pPr>
+            <a:r>
+              <a:rPr lang="fr-CH" sz="2200" dirty="0" smtClean="0"/>
+              <a:t>                         loi sur la protection des données, disclaimer à prévoir</a:t>
+            </a:r>
+            <a:endParaRPr lang="fr-CH" sz="2200" dirty="0" smtClean="0"/>
           </a:p>
           <a:p>
             <a:r>
@@ -5378,6 +5549,13 @@
   <p:clrMapOvr>
     <a:masterClrMapping/>
   </p:clrMapOvr>
+  <p:timing>
+    <p:tnLst>
+      <p:par>
+        <p:cTn id="1" dur="indefinite" restart="never" nodeType="tmRoot"/>
+      </p:par>
+    </p:tnLst>
+  </p:timing>
 </p:sld>
 </file>
 
@@ -5556,18 +5734,18 @@
               <a:t>Noyau du système: </a:t>
             </a:r>
             <a:r>
-              <a:rPr lang="fr-CH" dirty="0"/>
+              <a:rPr lang="fr-CH" sz="2200" dirty="0"/>
               <a:t>E</a:t>
             </a:r>
             <a:r>
-              <a:rPr lang="fr-CH" dirty="0" smtClean="0"/>
+              <a:rPr lang="fr-CH" sz="2200" dirty="0" smtClean="0"/>
               <a:t>tre </a:t>
             </a:r>
             <a:r>
-              <a:rPr lang="fr-CH" dirty="0"/>
+              <a:rPr lang="fr-CH" sz="2200" dirty="0"/>
               <a:t>connecté sur le site</a:t>
             </a:r>
-            <a:endParaRPr lang="fr-CH" b="1" dirty="0" smtClean="0">
+            <a:endParaRPr lang="fr-CH" sz="2200" b="1" dirty="0" smtClean="0">
               <a:latin typeface="Bahnschrift SemiLight SemiConde" panose="020B0502040204020203" pitchFamily="34" charset="0"/>
             </a:endParaRPr>
           </a:p>
@@ -5584,7 +5762,7 @@
               <a:t>Ce qui est secondaire:  </a:t>
             </a:r>
             <a:r>
-              <a:rPr lang="fr-CH" dirty="0"/>
+              <a:rPr lang="fr-CH" sz="2200" dirty="0"/>
               <a:t>Tout ce qui est accessible publiquement</a:t>
             </a:r>
           </a:p>
@@ -5601,7 +5779,7 @@
               <a:t>Ce qui est optionnel : </a:t>
             </a:r>
             <a:r>
-              <a:rPr lang="fr-CH" dirty="0"/>
+              <a:rPr lang="fr-CH" sz="2200" dirty="0"/>
               <a:t>Connexion avec vérification</a:t>
             </a:r>
           </a:p>
@@ -5617,6 +5795,11 @@
               </a:rPr>
               <a:t>Ordre des besoins/fonctionnalités ? </a:t>
             </a:r>
+            <a:r>
+              <a:rPr lang="fr-CH" sz="2200" dirty="0" smtClean="0"/>
+              <a:t>En fonction des couleurs définies</a:t>
+            </a:r>
+            <a:endParaRPr lang="fr-CH" sz="2200" dirty="0" smtClean="0"/>
           </a:p>
           <a:p>
             <a:endParaRPr lang="fr-CH" dirty="0" smtClean="0"/>
@@ -5646,6 +5829,13 @@
   <p:clrMapOvr>
     <a:masterClrMapping/>
   </p:clrMapOvr>
+  <p:timing>
+    <p:tnLst>
+      <p:par>
+        <p:cTn id="1" dur="indefinite" restart="never" nodeType="tmRoot"/>
+      </p:par>
+    </p:tnLst>
+  </p:timing>
 </p:sld>
 </file>
 
@@ -5831,22 +6021,22 @@
               <a:t>Langages de programmation: </a:t>
             </a:r>
             <a:r>
-              <a:rPr lang="fr-CH" dirty="0" smtClean="0"/>
+              <a:rPr lang="fr-CH" sz="2200" dirty="0" smtClean="0"/>
               <a:t>HTML, </a:t>
             </a:r>
             <a:r>
-              <a:rPr lang="fr-CH" dirty="0"/>
+              <a:rPr lang="fr-CH" sz="2200" dirty="0"/>
               <a:t>CSS + </a:t>
             </a:r>
             <a:r>
-              <a:rPr lang="fr-CH" dirty="0" smtClean="0"/>
+              <a:rPr lang="fr-CH" sz="2200" dirty="0" smtClean="0"/>
               <a:t>Bootstrap, PHP, </a:t>
             </a:r>
             <a:r>
-              <a:rPr lang="fr-CH" dirty="0"/>
+              <a:rPr lang="fr-CH" sz="2200" dirty="0"/>
               <a:t>SQL</a:t>
             </a:r>
-            <a:endParaRPr lang="fr-CH" b="1" dirty="0" smtClean="0">
+            <a:endParaRPr lang="fr-CH" sz="2200" b="1" dirty="0" smtClean="0">
               <a:latin typeface="Bahnschrift SemiLight SemiConde" panose="020B0502040204020203" pitchFamily="34" charset="0"/>
             </a:endParaRPr>
           </a:p>
@@ -5863,16 +6053,14 @@
               <a:t>Outils de projet: </a:t>
             </a:r>
             <a:r>
-              <a:rPr lang="fr-CH" dirty="0" err="1" smtClean="0"/>
-              <a:t>Github</a:t>
-            </a:r>
-            <a:r>
-              <a:rPr lang="fr-CH" dirty="0" smtClean="0"/>
-              <a:t>, </a:t>
-            </a:r>
-            <a:endParaRPr lang="fr-CH" b="1" dirty="0" smtClean="0">
-              <a:latin typeface="Bahnschrift SemiLight SemiConde" panose="020B0502040204020203" pitchFamily="34" charset="0"/>
-            </a:endParaRPr>
+              <a:rPr lang="fr-CH" sz="2200" dirty="0" smtClean="0"/>
+              <a:t>GitHub, </a:t>
+            </a:r>
+            <a:r>
+              <a:rPr lang="fr-CH" sz="2200" dirty="0" err="1" smtClean="0"/>
+              <a:t>Jira</a:t>
+            </a:r>
+            <a:endParaRPr lang="fr-CH" sz="2200" b="1" dirty="0" smtClean="0"/>
           </a:p>
           <a:p>
             <a:pPr>
@@ -5887,12 +6075,10 @@
               <a:t>Environnement de développement: </a:t>
             </a:r>
             <a:r>
-              <a:rPr lang="fr-CH" dirty="0"/>
+              <a:rPr lang="fr-CH" sz="2200" dirty="0"/>
               <a:t>Visual Studio Code</a:t>
             </a:r>
-            <a:endParaRPr lang="fr-CH" b="1" dirty="0" smtClean="0">
-              <a:latin typeface="Bahnschrift SemiLight SemiConde" panose="020B0502040204020203" pitchFamily="34" charset="0"/>
-            </a:endParaRPr>
+            <a:endParaRPr lang="fr-CH" sz="2200" b="1" dirty="0" smtClean="0"/>
           </a:p>
           <a:p>
             <a:endParaRPr lang="fr-CH" dirty="0" smtClean="0"/>
@@ -5922,6 +6108,13 @@
   <p:clrMapOvr>
     <a:masterClrMapping/>
   </p:clrMapOvr>
+  <p:timing>
+    <p:tnLst>
+      <p:par>
+        <p:cTn id="1" dur="indefinite" restart="never" nodeType="tmRoot"/>
+      </p:par>
+    </p:tnLst>
+  </p:timing>
 </p:sld>
 </file>
 
@@ -5954,7 +6147,7 @@
         </p:nvSpPr>
         <p:spPr>
           <a:xfrm>
-            <a:off x="657606" y="294260"/>
+            <a:off x="657606" y="-46662"/>
             <a:ext cx="10772775" cy="1245291"/>
           </a:xfrm>
         </p:spPr>
@@ -6078,7 +6271,7 @@
         <p:spPr>
           <a:xfrm>
             <a:off x="657606" y="1198629"/>
-            <a:ext cx="10753725" cy="4303537"/>
+            <a:ext cx="10753725" cy="5446011"/>
           </a:xfrm>
         </p:spPr>
         <p:txBody>
@@ -6088,47 +6281,6 @@
             <a:endParaRPr lang="fr-CH" b="1" dirty="0" smtClean="0"/>
           </a:p>
           <a:p>
-            <a:r>
-              <a:rPr lang="fr-CH" b="1" dirty="0" smtClean="0">
-                <a:latin typeface="Bahnschrift SemiLight SemiConde" panose="020B0502040204020203" pitchFamily="34" charset="0"/>
-              </a:rPr>
-              <a:t>Qui fait quoi ?</a:t>
-            </a:r>
-          </a:p>
-          <a:p>
-            <a:r>
-              <a:rPr lang="fr-CH" dirty="0" smtClean="0"/>
-              <a:t>Visiteur : Visualisation site </a:t>
-            </a:r>
-          </a:p>
-          <a:p>
-            <a:r>
-              <a:rPr lang="fr-CH" dirty="0" smtClean="0"/>
-              <a:t>Responsable : Toutes les fonctionnalités sauf algorithme </a:t>
-            </a:r>
-            <a:r>
-              <a:rPr lang="fr-CH" dirty="0"/>
-              <a:t>placement des </a:t>
-            </a:r>
-            <a:r>
-              <a:rPr lang="fr-CH" dirty="0" smtClean="0"/>
-              <a:t>matchs</a:t>
-            </a:r>
-          </a:p>
-          <a:p>
-            <a:r>
-              <a:rPr lang="fr-CH" dirty="0" smtClean="0"/>
-              <a:t>Administrateur : Toutes les fonctionnalités + algorithme placement </a:t>
-            </a:r>
-            <a:r>
-              <a:rPr lang="fr-CH" dirty="0"/>
-              <a:t>des matchs</a:t>
-            </a:r>
-            <a:endParaRPr lang="fr-CH" b="1" dirty="0" smtClean="0">
-              <a:latin typeface="Bahnschrift SemiLight SemiConde" panose="020B0502040204020203" pitchFamily="34" charset="0"/>
-            </a:endParaRPr>
-          </a:p>
-          <a:p>
             <a:endParaRPr lang="fr-CH" b="1" u="sng" dirty="0" smtClean="0"/>
           </a:p>
           <a:p>
@@ -6136,6 +6288,30 @@
           </a:p>
         </p:txBody>
       </p:sp>
+      <p:pic>
+        <p:nvPicPr>
+          <p:cNvPr id="4" name="Image 3"/>
+          <p:cNvPicPr>
+            <a:picLocks noChangeAspect="1"/>
+          </p:cNvPicPr>
+          <p:nvPr/>
+        </p:nvPicPr>
+        <p:blipFill>
+          <a:blip r:embed="rId2"/>
+          <a:stretch>
+            <a:fillRect/>
+          </a:stretch>
+        </p:blipFill>
+        <p:spPr>
+          <a:xfrm>
+            <a:off x="0" y="934371"/>
+            <a:ext cx="12192000" cy="5844801"/>
+          </a:xfrm>
+          <a:prstGeom prst="rect">
+            <a:avLst/>
+          </a:prstGeom>
+        </p:spPr>
+      </p:pic>
     </p:spTree>
     <p:extLst>
       <p:ext uri="{BB962C8B-B14F-4D97-AF65-F5344CB8AC3E}">
@@ -6146,6 +6322,13 @@
   <p:clrMapOvr>
     <a:masterClrMapping/>
   </p:clrMapOvr>
+  <p:timing>
+    <p:tnLst>
+      <p:par>
+        <p:cTn id="1" dur="indefinite" restart="never" nodeType="tmRoot"/>
+      </p:par>
+    </p:tnLst>
+  </p:timing>
 </p:sld>
 </file>
 
